--- a/ReactionGUI_manual.pptx
+++ b/ReactionGUI_manual.pptx
@@ -4135,13 +4135,8 @@
           <a:p>
             <a:r>
               <a:rPr lang="en-US" altLang="ko-KR" dirty="0" smtClean="0"/>
-              <a:t>Y.-H. Song(RISP,IBS</a:t>
-            </a:r>
-            <a:r>
-              <a:rPr lang="en-US" altLang="ko-KR" dirty="0" smtClean="0"/>
-              <a:t>)</a:t>
-            </a:r>
-            <a:endParaRPr lang="en-US" altLang="ko-KR" dirty="0" smtClean="0"/>
+              <a:t>Y.-H. Song(RISP,IBS)</a:t>
+            </a:r>
           </a:p>
         </p:txBody>
       </p:sp>
@@ -5267,8 +5262,8 @@
         </p:nvSpPr>
         <p:spPr>
           <a:xfrm>
-            <a:off x="899592" y="5445224"/>
-            <a:ext cx="5514066" cy="923330"/>
+            <a:off x="827584" y="5301208"/>
+            <a:ext cx="5514066" cy="1477328"/>
           </a:xfrm>
           <a:prstGeom prst="rect">
             <a:avLst/>
@@ -5303,8 +5298,19 @@
           <a:p>
             <a:r>
               <a:rPr lang="en-US" altLang="ko-KR" dirty="0" smtClean="0"/>
-              <a:t>Or User input of density profile</a:t>
-            </a:r>
+              <a:t>Or User input of density </a:t>
+            </a:r>
+            <a:r>
+              <a:rPr lang="en-US" altLang="ko-KR" dirty="0" smtClean="0"/>
+              <a:t>profile</a:t>
+            </a:r>
+          </a:p>
+          <a:p>
+            <a:r>
+              <a:rPr lang="en-US" altLang="ko-KR" dirty="0" smtClean="0"/>
+              <a:t>* Because of double folding, it requires density even for proton.</a:t>
+            </a:r>
+            <a:endParaRPr lang="en-US" altLang="ko-KR" dirty="0" smtClean="0"/>
           </a:p>
         </p:txBody>
       </p:sp>
@@ -5484,6 +5490,36 @@
           </a:p>
         </p:txBody>
       </p:sp>
+      <p:sp>
+        <p:nvSpPr>
+          <p:cNvPr id="4" name="TextBox 3"/>
+          <p:cNvSpPr txBox="1"/>
+          <p:nvPr/>
+        </p:nvSpPr>
+        <p:spPr>
+          <a:xfrm>
+            <a:off x="4860032" y="476672"/>
+            <a:ext cx="2395207" cy="369332"/>
+          </a:xfrm>
+          <a:prstGeom prst="rect">
+            <a:avLst/>
+          </a:prstGeom>
+          <a:noFill/>
+        </p:spPr>
+        <p:txBody>
+          <a:bodyPr wrap="none" rtlCol="0">
+            <a:spAutoFit/>
+          </a:bodyPr>
+          <a:lstStyle/>
+          <a:p>
+            <a:r>
+              <a:rPr lang="en-US" altLang="ko-KR" dirty="0" smtClean="0"/>
+              <a:t>Experimental data input</a:t>
+            </a:r>
+            <a:endParaRPr lang="ko-KR" altLang="en-US" dirty="0"/>
+          </a:p>
+        </p:txBody>
+      </p:sp>
     </p:spTree>
     <p:extLst>
       <p:ext uri="{BB962C8B-B14F-4D97-AF65-F5344CB8AC3E}">
@@ -5666,6 +5702,59 @@
           </a:p>
         </p:txBody>
       </p:sp>
+      <p:sp>
+        <p:nvSpPr>
+          <p:cNvPr id="2" name="TextBox 1"/>
+          <p:cNvSpPr txBox="1"/>
+          <p:nvPr/>
+        </p:nvSpPr>
+        <p:spPr>
+          <a:xfrm>
+            <a:off x="4716016" y="764704"/>
+            <a:ext cx="3687035" cy="1200329"/>
+          </a:xfrm>
+          <a:prstGeom prst="rect">
+            <a:avLst/>
+          </a:prstGeom>
+          <a:noFill/>
+        </p:spPr>
+        <p:txBody>
+          <a:bodyPr wrap="none" rtlCol="0">
+            <a:spAutoFit/>
+          </a:bodyPr>
+          <a:lstStyle/>
+          <a:p>
+            <a:r>
+              <a:rPr lang="en-US" altLang="ko-KR" dirty="0" smtClean="0"/>
+              <a:t>Fitting of optical potential parameters</a:t>
+            </a:r>
+          </a:p>
+          <a:p>
+            <a:r>
+              <a:rPr lang="en-US" altLang="ko-KR" dirty="0" smtClean="0"/>
+              <a:t>For elastic scattering</a:t>
+            </a:r>
+          </a:p>
+          <a:p>
+            <a:endParaRPr lang="en-US" altLang="ko-KR" dirty="0"/>
+          </a:p>
+          <a:p>
+            <a:r>
+              <a:rPr lang="en-US" altLang="ko-KR" dirty="0" smtClean="0"/>
+              <a:t>(need to press “</a:t>
+            </a:r>
+            <a:r>
+              <a:rPr lang="en-US" altLang="ko-KR" dirty="0" err="1" smtClean="0"/>
+              <a:t>exp</a:t>
+            </a:r>
+            <a:r>
+              <a:rPr lang="en-US" altLang="ko-KR" dirty="0" smtClean="0"/>
+              <a:t> data” once.)</a:t>
+            </a:r>
+            <a:endParaRPr lang="ko-KR" altLang="en-US" dirty="0"/>
+          </a:p>
+        </p:txBody>
+      </p:sp>
     </p:spTree>
     <p:extLst>
       <p:ext uri="{BB962C8B-B14F-4D97-AF65-F5344CB8AC3E}">
@@ -5892,6 +5981,36 @@
           </a:prstGeom>
         </p:spPr>
       </p:pic>
+      <p:sp>
+        <p:nvSpPr>
+          <p:cNvPr id="2" name="TextBox 1"/>
+          <p:cNvSpPr txBox="1"/>
+          <p:nvPr/>
+        </p:nvSpPr>
+        <p:spPr>
+          <a:xfrm>
+            <a:off x="7092280" y="2276872"/>
+            <a:ext cx="1560042" cy="369332"/>
+          </a:xfrm>
+          <a:prstGeom prst="rect">
+            <a:avLst/>
+          </a:prstGeom>
+          <a:noFill/>
+        </p:spPr>
+        <p:txBody>
+          <a:bodyPr wrap="none" rtlCol="0">
+            <a:spAutoFit/>
+          </a:bodyPr>
+          <a:lstStyle/>
+          <a:p>
+            <a:r>
+              <a:rPr lang="en-US" altLang="ko-KR" dirty="0" smtClean="0"/>
+              <a:t>Result of fitting</a:t>
+            </a:r>
+            <a:endParaRPr lang="ko-KR" altLang="en-US" dirty="0"/>
+          </a:p>
+        </p:txBody>
+      </p:sp>
     </p:spTree>
     <p:extLst>
       <p:ext uri="{BB962C8B-B14F-4D97-AF65-F5344CB8AC3E}">
@@ -6864,13 +6983,43 @@
         <p:spPr>
           <a:xfrm>
             <a:off x="323528" y="476672"/>
-            <a:ext cx="6638488" cy="5616624"/>
+            <a:ext cx="6298053" cy="5328592"/>
           </a:xfrm>
           <a:prstGeom prst="rect">
             <a:avLst/>
           </a:prstGeom>
         </p:spPr>
       </p:pic>
+      <p:sp>
+        <p:nvSpPr>
+          <p:cNvPr id="2" name="TextBox 1"/>
+          <p:cNvSpPr txBox="1"/>
+          <p:nvPr/>
+        </p:nvSpPr>
+        <p:spPr>
+          <a:xfrm>
+            <a:off x="6783176" y="908720"/>
+            <a:ext cx="2332690" cy="369332"/>
+          </a:xfrm>
+          <a:prstGeom prst="rect">
+            <a:avLst/>
+          </a:prstGeom>
+          <a:noFill/>
+        </p:spPr>
+        <p:txBody>
+          <a:bodyPr wrap="none" rtlCol="0">
+            <a:spAutoFit/>
+          </a:bodyPr>
+          <a:lstStyle/>
+          <a:p>
+            <a:r>
+              <a:rPr lang="en-US" altLang="ko-KR" dirty="0" smtClean="0"/>
+              <a:t>Inelastic scattering case</a:t>
+            </a:r>
+            <a:endParaRPr lang="ko-KR" altLang="en-US" dirty="0"/>
+          </a:p>
+        </p:txBody>
+      </p:sp>
     </p:spTree>
     <p:extLst>
       <p:ext uri="{BB962C8B-B14F-4D97-AF65-F5344CB8AC3E}">
@@ -7230,7 +7379,7 @@
         <p:spPr>
           <a:xfrm>
             <a:off x="524147" y="1628800"/>
-            <a:ext cx="3111749" cy="923330"/>
+            <a:ext cx="2558714" cy="369332"/>
           </a:xfrm>
           <a:prstGeom prst="rect">
             <a:avLst/>
@@ -7245,16 +7394,11 @@
           <a:p>
             <a:r>
               <a:rPr lang="en-US" altLang="ko-KR" dirty="0" smtClean="0"/>
-              <a:t>Consider the stripping reaction, </a:t>
-            </a:r>
-          </a:p>
-          <a:p>
-            <a:endParaRPr lang="en-US" altLang="ko-KR" dirty="0"/>
-          </a:p>
-          <a:p>
-            <a:r>
-              <a:rPr lang="en-US" altLang="ko-KR" dirty="0" smtClean="0"/>
-              <a:t>p(=</a:t>
+              <a:t>p</a:t>
+            </a:r>
+            <a:r>
+              <a:rPr lang="en-US" altLang="ko-KR" dirty="0" smtClean="0"/>
+              <a:t>(=</a:t>
             </a:r>
             <a:r>
               <a:rPr lang="en-US" altLang="ko-KR" dirty="0" err="1" smtClean="0"/>
@@ -9879,6 +10023,36 @@
           </a:prstGeom>
         </p:spPr>
       </p:pic>
+      <p:sp>
+        <p:nvSpPr>
+          <p:cNvPr id="2" name="TextBox 1"/>
+          <p:cNvSpPr txBox="1"/>
+          <p:nvPr/>
+        </p:nvSpPr>
+        <p:spPr>
+          <a:xfrm>
+            <a:off x="6948264" y="764704"/>
+            <a:ext cx="2195537" cy="369332"/>
+          </a:xfrm>
+          <a:prstGeom prst="rect">
+            <a:avLst/>
+          </a:prstGeom>
+          <a:noFill/>
+        </p:spPr>
+        <p:txBody>
+          <a:bodyPr wrap="none" rtlCol="0">
+            <a:spAutoFit/>
+          </a:bodyPr>
+          <a:lstStyle/>
+          <a:p>
+            <a:r>
+              <a:rPr lang="en-US" altLang="ko-KR" dirty="0" smtClean="0"/>
+              <a:t>Transfer reaction case</a:t>
+            </a:r>
+            <a:endParaRPr lang="ko-KR" altLang="en-US" dirty="0"/>
+          </a:p>
+        </p:txBody>
+      </p:sp>
     </p:spTree>
     <p:extLst>
       <p:ext uri="{BB962C8B-B14F-4D97-AF65-F5344CB8AC3E}">
@@ -10496,7 +10670,15 @@
             </a:r>
             <a:r>
               <a:rPr lang="en-US" altLang="ko-KR" dirty="0" smtClean="0"/>
-              <a:t>  (</a:t>
+              <a:t>  </a:t>
+            </a:r>
+            <a:r>
+              <a:rPr lang="en-US" altLang="ko-KR" dirty="0" smtClean="0"/>
+              <a:t>(</a:t>
+            </a:r>
+            <a:r>
+              <a:rPr lang="en-US" altLang="ko-KR" dirty="0" smtClean="0"/>
+              <a:t>contact </a:t>
             </a:r>
             <a:r>
               <a:rPr lang="en-US" altLang="ko-KR" dirty="0" smtClean="0">
@@ -10506,7 +10688,11 @@
             </a:r>
             <a:r>
               <a:rPr lang="en-US" altLang="ko-KR" dirty="0" smtClean="0"/>
-              <a:t> for suggestions, errors, troubles) </a:t>
+              <a:t> </a:t>
+            </a:r>
+            <a:r>
+              <a:rPr lang="en-US" altLang="ko-KR" dirty="0" smtClean="0"/>
+              <a:t>for suggestions, errors, troubles) </a:t>
             </a:r>
           </a:p>
         </p:txBody>
@@ -12121,7 +12307,7 @@
         <p:spPr>
           <a:xfrm>
             <a:off x="4860032" y="1981940"/>
-            <a:ext cx="3672408" cy="4031873"/>
+            <a:ext cx="3672408" cy="3785652"/>
           </a:xfrm>
           <a:prstGeom prst="rect">
             <a:avLst/>
@@ -12148,13 +12334,12 @@
             </a:pPr>
             <a:r>
               <a:rPr lang="en-US" altLang="ko-KR" sz="1600" dirty="0" smtClean="0"/>
-              <a:t>Modify the deformation parameter as you </a:t>
-            </a:r>
-            <a:r>
-              <a:rPr lang="en-US" altLang="ko-KR" sz="1600" dirty="0" err="1" smtClean="0"/>
-              <a:t>nedd</a:t>
-            </a:r>
-            <a:endParaRPr lang="en-US" altLang="ko-KR" sz="1600" dirty="0" smtClean="0"/>
+              <a:t>Modify the deformation </a:t>
+            </a:r>
+            <a:r>
+              <a:rPr lang="en-US" altLang="ko-KR" sz="1600" dirty="0" smtClean="0"/>
+              <a:t>parameter</a:t>
+            </a:r>
           </a:p>
           <a:p>
             <a:pPr marL="342900" indent="-342900">
@@ -12162,7 +12347,11 @@
             </a:pPr>
             <a:r>
               <a:rPr lang="en-US" altLang="ko-KR" sz="1600" dirty="0" smtClean="0"/>
-              <a:t>Press “calculate” </a:t>
+              <a:t>Press </a:t>
+            </a:r>
+            <a:r>
+              <a:rPr lang="en-US" altLang="ko-KR" sz="1600" dirty="0" smtClean="0"/>
+              <a:t>“calculate” </a:t>
             </a:r>
           </a:p>
           <a:p>
@@ -13053,7 +13242,19 @@
             </a:pPr>
             <a:r>
               <a:rPr lang="en-US" altLang="ko-KR" sz="1600" dirty="0" smtClean="0"/>
-              <a:t>Sometimes, Fresco may give Error message. Change the options in “Fresco Options” in the case.</a:t>
+              <a:t>Sometimes, Fresco may give Error message. Change the options in “Fresco Options” </a:t>
+            </a:r>
+            <a:r>
+              <a:rPr lang="en-US" altLang="ko-KR" sz="1600" smtClean="0"/>
+              <a:t>in </a:t>
+            </a:r>
+            <a:r>
+              <a:rPr lang="en-US" altLang="ko-KR" sz="1600" smtClean="0"/>
+              <a:t>that </a:t>
+            </a:r>
+            <a:r>
+              <a:rPr lang="en-US" altLang="ko-KR" sz="1600" dirty="0" smtClean="0"/>
+              <a:t>case.</a:t>
             </a:r>
           </a:p>
           <a:p>
@@ -13063,7 +13264,15 @@
             </a:pPr>
             <a:r>
               <a:rPr lang="en-US" altLang="ko-KR" sz="1600" dirty="0" smtClean="0"/>
-              <a:t>(Change RNL value </a:t>
+              <a:t>(Change </a:t>
+            </a:r>
+            <a:r>
+              <a:rPr lang="en-US" altLang="ko-KR" sz="1600" dirty="0" smtClean="0"/>
+              <a:t>HCM, RMATCH, RNL </a:t>
+            </a:r>
+            <a:r>
+              <a:rPr lang="en-US" altLang="ko-KR" sz="1600" dirty="0" smtClean="0"/>
+              <a:t>value </a:t>
             </a:r>
           </a:p>
           <a:p>
@@ -13073,13 +13282,16 @@
             </a:pPr>
             <a:r>
               <a:rPr lang="en-US" altLang="ko-KR" sz="1600" dirty="0" smtClean="0"/>
-              <a:t>add  </a:t>
-            </a:r>
-            <a:r>
-              <a:rPr lang="en-US" altLang="ko-KR" sz="1600" smtClean="0"/>
-              <a:t>CUTL=5 according to the error.)</a:t>
-            </a:r>
-            <a:endParaRPr lang="en-US" altLang="ko-KR" sz="1600" dirty="0" smtClean="0"/>
+              <a:t>add  CUTL</a:t>
+            </a:r>
+            <a:r>
+              <a:rPr lang="en-US" altLang="ko-KR" sz="1600" dirty="0" smtClean="0"/>
+              <a:t>=… </a:t>
+            </a:r>
+            <a:r>
+              <a:rPr lang="en-US" altLang="ko-KR" sz="1600" dirty="0" smtClean="0"/>
+              <a:t>according to the error.)</a:t>
+            </a:r>
           </a:p>
         </p:txBody>
       </p:sp>
